--- a/Project PPT.pptx
+++ b/Project PPT.pptx
@@ -217,7 +217,7 @@
           <a:p>
             <a:fld id="{D551E8F1-D109-4C9B-9F34-5122EC76089B}" type="datetimeFigureOut">
               <a:rPr lang="en-US" smtClean="0"/>
-              <a:t>12/9/2019</a:t>
+              <a:t>12/13/2019</a:t>
             </a:fld>
             <a:endParaRPr lang="en-US"/>
           </a:p>
@@ -9355,7 +9355,7 @@
           <a:p>
             <a:fld id="{1FBD2C29-D6F9-4F74-9737-F2A0D6FE2715}" type="datetime1">
               <a:rPr lang="en-US" smtClean="0"/>
-              <a:t>12/9/2019</a:t>
+              <a:t>12/13/2019</a:t>
             </a:fld>
             <a:endParaRPr lang="en-US" dirty="0"/>
           </a:p>
@@ -9562,7 +9562,7 @@
           <a:p>
             <a:fld id="{7F2D1E8B-9C63-4C3B-BE18-4DA918E467A3}" type="datetime1">
               <a:rPr lang="en-US" smtClean="0"/>
-              <a:t>12/9/2019</a:t>
+              <a:t>12/13/2019</a:t>
             </a:fld>
             <a:endParaRPr lang="en-US" dirty="0"/>
           </a:p>
@@ -9742,7 +9742,7 @@
           <a:p>
             <a:fld id="{441D5A82-422B-4834-8DF3-B2A03CB596A0}" type="datetime1">
               <a:rPr lang="en-US" smtClean="0"/>
-              <a:t>12/9/2019</a:t>
+              <a:t>12/13/2019</a:t>
             </a:fld>
             <a:endParaRPr lang="en-US" dirty="0"/>
           </a:p>
@@ -9976,7 +9976,7 @@
                   <a:srgbClr val="000000"/>
                 </a:solidFill>
               </a:rPr>
-              <a:t>12/9/2019</a:t>
+              <a:t>12/13/2019</a:t>
             </a:fld>
             <a:endParaRPr lang="en-US">
               <a:solidFill>
@@ -10192,7 +10192,7 @@
                   <a:srgbClr val="000000"/>
                 </a:solidFill>
               </a:rPr>
-              <a:t>12/9/2019</a:t>
+              <a:t>12/13/2019</a:t>
             </a:fld>
             <a:endParaRPr lang="en-US">
               <a:solidFill>
@@ -10431,7 +10431,7 @@
                   <a:srgbClr val="000000"/>
                 </a:solidFill>
               </a:rPr>
-              <a:t>12/9/2019</a:t>
+              <a:t>12/13/2019</a:t>
             </a:fld>
             <a:endParaRPr lang="en-US">
               <a:solidFill>
@@ -10764,7 +10764,7 @@
                   <a:srgbClr val="000000"/>
                 </a:solidFill>
               </a:rPr>
-              <a:t>12/9/2019</a:t>
+              <a:t>12/13/2019</a:t>
             </a:fld>
             <a:endParaRPr lang="en-US">
               <a:solidFill>
@@ -11236,7 +11236,7 @@
                   <a:srgbClr val="000000"/>
                 </a:solidFill>
               </a:rPr>
-              <a:t>12/9/2019</a:t>
+              <a:t>12/13/2019</a:t>
             </a:fld>
             <a:endParaRPr lang="en-US">
               <a:solidFill>
@@ -11401,7 +11401,7 @@
                   <a:srgbClr val="000000"/>
                 </a:solidFill>
               </a:rPr>
-              <a:t>12/9/2019</a:t>
+              <a:t>12/13/2019</a:t>
             </a:fld>
             <a:endParaRPr lang="en-US">
               <a:solidFill>
@@ -11544,7 +11544,7 @@
                   <a:srgbClr val="000000"/>
                 </a:solidFill>
               </a:rPr>
-              <a:t>12/9/2019</a:t>
+              <a:t>12/13/2019</a:t>
             </a:fld>
             <a:endParaRPr lang="en-US">
               <a:solidFill>
@@ -11867,7 +11867,7 @@
                   <a:srgbClr val="000000"/>
                 </a:solidFill>
               </a:rPr>
-              <a:t>12/9/2019</a:t>
+              <a:t>12/13/2019</a:t>
             </a:fld>
             <a:endParaRPr lang="en-US">
               <a:solidFill>
@@ -12072,7 +12072,7 @@
           <a:p>
             <a:fld id="{2418C003-5D99-4105-9033-ABC67D1CD951}" type="datetime1">
               <a:rPr lang="en-US" smtClean="0"/>
-              <a:t>12/9/2019</a:t>
+              <a:t>12/13/2019</a:t>
             </a:fld>
             <a:endParaRPr lang="en-US" dirty="0"/>
           </a:p>
@@ -12338,7 +12338,7 @@
                   <a:srgbClr val="000000"/>
                 </a:solidFill>
               </a:rPr>
-              <a:t>12/9/2019</a:t>
+              <a:t>12/13/2019</a:t>
             </a:fld>
             <a:endParaRPr lang="en-US">
               <a:solidFill>
@@ -12554,7 +12554,7 @@
                   <a:srgbClr val="000000"/>
                 </a:solidFill>
               </a:rPr>
-              <a:t>12/9/2019</a:t>
+              <a:t>12/13/2019</a:t>
             </a:fld>
             <a:endParaRPr lang="en-US">
               <a:solidFill>
@@ -12780,7 +12780,7 @@
                   <a:srgbClr val="000000"/>
                 </a:solidFill>
               </a:rPr>
-              <a:t>12/9/2019</a:t>
+              <a:t>12/13/2019</a:t>
             </a:fld>
             <a:endParaRPr lang="en-US">
               <a:solidFill>
@@ -13031,7 +13031,7 @@
                   <a:srgbClr val="000000"/>
                 </a:solidFill>
               </a:rPr>
-              <a:t>12/9/2019</a:t>
+              <a:t>12/13/2019</a:t>
             </a:fld>
             <a:endParaRPr lang="en-US">
               <a:solidFill>
@@ -21964,7 +21964,7 @@
           <a:p>
             <a:fld id="{71406E80-CD75-4E29-AD56-C38DDAA5CB35}" type="datetime1">
               <a:rPr lang="en-US" smtClean="0"/>
-              <a:t>12/9/2019</a:t>
+              <a:t>12/13/2019</a:t>
             </a:fld>
             <a:endParaRPr lang="en-US" dirty="0"/>
           </a:p>
@@ -22238,7 +22238,7 @@
           <a:p>
             <a:fld id="{D21A4821-8C10-4C11-AFE0-74CBC8B57BDE}" type="datetime1">
               <a:rPr lang="en-US" smtClean="0"/>
-              <a:t>12/9/2019</a:t>
+              <a:t>12/13/2019</a:t>
             </a:fld>
             <a:endParaRPr lang="en-US" dirty="0"/>
           </a:p>
@@ -22636,7 +22636,7 @@
           <a:p>
             <a:fld id="{A6E5D598-2E6B-4416-8B8D-4064BEE93B9C}" type="datetime1">
               <a:rPr lang="en-US" smtClean="0"/>
-              <a:t>12/9/2019</a:t>
+              <a:t>12/13/2019</a:t>
             </a:fld>
             <a:endParaRPr lang="en-US" dirty="0"/>
           </a:p>
@@ -22754,7 +22754,7 @@
           <a:p>
             <a:fld id="{C8180AC4-DF40-44C9-9851-89301E832A36}" type="datetime1">
               <a:rPr lang="en-US" smtClean="0"/>
-              <a:t>12/9/2019</a:t>
+              <a:t>12/13/2019</a:t>
             </a:fld>
             <a:endParaRPr lang="en-US" dirty="0"/>
           </a:p>
@@ -22849,7 +22849,7 @@
           <a:p>
             <a:fld id="{98B49C0A-02FE-4E68-8B3E-37598F56A834}" type="datetime1">
               <a:rPr lang="en-US" smtClean="0"/>
-              <a:t>12/9/2019</a:t>
+              <a:t>12/13/2019</a:t>
             </a:fld>
             <a:endParaRPr lang="en-US" dirty="0"/>
           </a:p>
@@ -23139,7 +23139,7 @@
           <a:p>
             <a:fld id="{C035230A-9B9A-4FCD-8F88-D4579FE5B558}" type="datetime1">
               <a:rPr lang="en-US" smtClean="0"/>
-              <a:t>12/9/2019</a:t>
+              <a:t>12/13/2019</a:t>
             </a:fld>
             <a:endParaRPr lang="en-US" dirty="0"/>
           </a:p>
@@ -23418,7 +23418,7 @@
           <a:p>
             <a:fld id="{67B4AC00-38BD-4965-B5F6-FC7BC6178FFF}" type="datetime1">
               <a:rPr lang="en-US" smtClean="0"/>
-              <a:t>12/9/2019</a:t>
+              <a:t>12/13/2019</a:t>
             </a:fld>
             <a:endParaRPr lang="en-US" dirty="0"/>
           </a:p>
@@ -23668,7 +23668,7 @@
           <a:p>
             <a:fld id="{2EFAF336-B2F3-4A7D-8A97-206B4A254D5A}" type="datetime1">
               <a:rPr lang="en-US" smtClean="0"/>
-              <a:t>12/9/2019</a:t>
+              <a:t>12/13/2019</a:t>
             </a:fld>
             <a:endParaRPr lang="en-US" dirty="0"/>
           </a:p>
@@ -24391,7 +24391,7 @@
                   <a:srgbClr val="000000"/>
                 </a:solidFill>
               </a:rPr>
-              <a:t>12/9/2019</a:t>
+              <a:t>12/13/2019</a:t>
             </a:fld>
             <a:endParaRPr lang="en-US">
               <a:solidFill>
@@ -34190,7 +34190,7 @@
           <a:p>
             <a:pPr algn="ctr"/>
             <a:r>
-              <a:rPr lang="en-US" dirty="0">
+              <a:rPr lang="en-US">
                 <a:solidFill>
                   <a:srgbClr val="FF0000"/>
                 </a:solidFill>
@@ -34203,8 +34203,21 @@
                 </a:effectLst>
                 <a:latin typeface="Algerian" panose="04020705040A02060702" pitchFamily="82" charset="0"/>
               </a:rPr>
-              <a:t>Using Raspberry Pi Over Internet</a:t>
+              <a:t>Telegram_BOT</a:t>
             </a:r>
+            <a:endParaRPr lang="en-US" dirty="0">
+              <a:solidFill>
+                <a:srgbClr val="FF0000"/>
+              </a:solidFill>
+              <a:effectLst>
+                <a:outerShdw blurRad="38100" dist="38100" dir="2700000" algn="tl">
+                  <a:srgbClr val="000000">
+                    <a:alpha val="43137"/>
+                  </a:srgbClr>
+                </a:outerShdw>
+              </a:effectLst>
+              <a:latin typeface="Algerian" panose="04020705040A02060702" pitchFamily="82" charset="0"/>
+            </a:endParaRPr>
           </a:p>
         </p:txBody>
       </p:sp>
